--- a/Workshop/InfraPlaat.pptx
+++ b/Workshop/InfraPlaat.pptx
@@ -6,6 +6,7 @@
   </p:sldMasterIdLst>
   <p:sldIdLst>
     <p:sldId id="256" r:id="rId2"/>
+    <p:sldId id="257" r:id="rId3"/>
   </p:sldIdLst>
   <p:sldSz cx="12192000" cy="6858000"/>
   <p:notesSz cx="6858000" cy="9144000"/>
@@ -243,7 +244,7 @@
           <a:p>
             <a:fld id="{E78D6EB9-4637-4CE3-BF61-F6FF621A0402}" type="datetimeFigureOut">
               <a:rPr lang="nl-NL" smtClean="0"/>
-              <a:t>1-8-2017</a:t>
+              <a:t>1-9-2017</a:t>
             </a:fld>
             <a:endParaRPr lang="nl-NL"/>
           </a:p>
@@ -413,7 +414,7 @@
           <a:p>
             <a:fld id="{E78D6EB9-4637-4CE3-BF61-F6FF621A0402}" type="datetimeFigureOut">
               <a:rPr lang="nl-NL" smtClean="0"/>
-              <a:t>1-8-2017</a:t>
+              <a:t>1-9-2017</a:t>
             </a:fld>
             <a:endParaRPr lang="nl-NL"/>
           </a:p>
@@ -593,7 +594,7 @@
           <a:p>
             <a:fld id="{E78D6EB9-4637-4CE3-BF61-F6FF621A0402}" type="datetimeFigureOut">
               <a:rPr lang="nl-NL" smtClean="0"/>
-              <a:t>1-8-2017</a:t>
+              <a:t>1-9-2017</a:t>
             </a:fld>
             <a:endParaRPr lang="nl-NL"/>
           </a:p>
@@ -763,7 +764,7 @@
           <a:p>
             <a:fld id="{E78D6EB9-4637-4CE3-BF61-F6FF621A0402}" type="datetimeFigureOut">
               <a:rPr lang="nl-NL" smtClean="0"/>
-              <a:t>1-8-2017</a:t>
+              <a:t>1-9-2017</a:t>
             </a:fld>
             <a:endParaRPr lang="nl-NL"/>
           </a:p>
@@ -1009,7 +1010,7 @@
           <a:p>
             <a:fld id="{E78D6EB9-4637-4CE3-BF61-F6FF621A0402}" type="datetimeFigureOut">
               <a:rPr lang="nl-NL" smtClean="0"/>
-              <a:t>1-8-2017</a:t>
+              <a:t>1-9-2017</a:t>
             </a:fld>
             <a:endParaRPr lang="nl-NL"/>
           </a:p>
@@ -1241,7 +1242,7 @@
           <a:p>
             <a:fld id="{E78D6EB9-4637-4CE3-BF61-F6FF621A0402}" type="datetimeFigureOut">
               <a:rPr lang="nl-NL" smtClean="0"/>
-              <a:t>1-8-2017</a:t>
+              <a:t>1-9-2017</a:t>
             </a:fld>
             <a:endParaRPr lang="nl-NL"/>
           </a:p>
@@ -1608,7 +1609,7 @@
           <a:p>
             <a:fld id="{E78D6EB9-4637-4CE3-BF61-F6FF621A0402}" type="datetimeFigureOut">
               <a:rPr lang="nl-NL" smtClean="0"/>
-              <a:t>1-8-2017</a:t>
+              <a:t>1-9-2017</a:t>
             </a:fld>
             <a:endParaRPr lang="nl-NL"/>
           </a:p>
@@ -1726,7 +1727,7 @@
           <a:p>
             <a:fld id="{E78D6EB9-4637-4CE3-BF61-F6FF621A0402}" type="datetimeFigureOut">
               <a:rPr lang="nl-NL" smtClean="0"/>
-              <a:t>1-8-2017</a:t>
+              <a:t>1-9-2017</a:t>
             </a:fld>
             <a:endParaRPr lang="nl-NL"/>
           </a:p>
@@ -1821,7 +1822,7 @@
           <a:p>
             <a:fld id="{E78D6EB9-4637-4CE3-BF61-F6FF621A0402}" type="datetimeFigureOut">
               <a:rPr lang="nl-NL" smtClean="0"/>
-              <a:t>1-8-2017</a:t>
+              <a:t>1-9-2017</a:t>
             </a:fld>
             <a:endParaRPr lang="nl-NL"/>
           </a:p>
@@ -2098,7 +2099,7 @@
           <a:p>
             <a:fld id="{E78D6EB9-4637-4CE3-BF61-F6FF621A0402}" type="datetimeFigureOut">
               <a:rPr lang="nl-NL" smtClean="0"/>
-              <a:t>1-8-2017</a:t>
+              <a:t>1-9-2017</a:t>
             </a:fld>
             <a:endParaRPr lang="nl-NL"/>
           </a:p>
@@ -2351,7 +2352,7 @@
           <a:p>
             <a:fld id="{E78D6EB9-4637-4CE3-BF61-F6FF621A0402}" type="datetimeFigureOut">
               <a:rPr lang="nl-NL" smtClean="0"/>
-              <a:t>1-8-2017</a:t>
+              <a:t>1-9-2017</a:t>
             </a:fld>
             <a:endParaRPr lang="nl-NL"/>
           </a:p>
@@ -2564,7 +2565,7 @@
           <a:p>
             <a:fld id="{E78D6EB9-4637-4CE3-BF61-F6FF621A0402}" type="datetimeFigureOut">
               <a:rPr lang="nl-NL" smtClean="0"/>
-              <a:t>1-8-2017</a:t>
+              <a:t>1-9-2017</a:t>
             </a:fld>
             <a:endParaRPr lang="nl-NL"/>
           </a:p>
@@ -3449,6 +3450,695 @@
 </p:sld>
 </file>
 
+<file path=ppt/slides/slide2.xml><?xml version="1.0" encoding="utf-8"?>
+<p:sld xmlns:a="http://schemas.openxmlformats.org/drawingml/2006/main" xmlns:r="http://schemas.openxmlformats.org/officeDocument/2006/relationships" xmlns:p="http://schemas.openxmlformats.org/presentationml/2006/main">
+  <p:cSld>
+    <p:spTree>
+      <p:nvGrpSpPr>
+        <p:cNvPr id="1" name=""/>
+        <p:cNvGrpSpPr/>
+        <p:nvPr/>
+      </p:nvGrpSpPr>
+      <p:grpSpPr>
+        <a:xfrm>
+          <a:off x="0" y="0"/>
+          <a:ext cx="0" cy="0"/>
+          <a:chOff x="0" y="0"/>
+          <a:chExt cx="0" cy="0"/>
+        </a:xfrm>
+      </p:grpSpPr>
+      <p:sp>
+        <p:nvSpPr>
+          <p:cNvPr id="4" name="Title 3"/>
+          <p:cNvSpPr>
+            <a:spLocks noGrp="1"/>
+          </p:cNvSpPr>
+          <p:nvPr>
+            <p:ph type="title"/>
+          </p:nvPr>
+        </p:nvSpPr>
+        <p:spPr/>
+        <p:txBody>
+          <a:bodyPr/>
+          <a:lstStyle/>
+          <a:p>
+            <a:r>
+              <a:rPr lang="nl-NL" dirty="0" smtClean="0"/>
+              <a:t>Infrastructuur </a:t>
+            </a:r>
+            <a:r>
+              <a:rPr lang="nl-NL" dirty="0" smtClean="0"/>
+              <a:t>102-opdracht</a:t>
+            </a:r>
+            <a:endParaRPr lang="nl-NL" dirty="0"/>
+          </a:p>
+        </p:txBody>
+      </p:sp>
+      <p:sp>
+        <p:nvSpPr>
+          <p:cNvPr id="6" name="Smiley Face 5"/>
+          <p:cNvSpPr/>
+          <p:nvPr/>
+        </p:nvSpPr>
+        <p:spPr>
+          <a:xfrm>
+            <a:off x="694554" y="1693012"/>
+            <a:ext cx="941832" cy="877824"/>
+          </a:xfrm>
+          <a:prstGeom prst="smileyFace">
+            <a:avLst/>
+          </a:prstGeom>
+          <a:gradFill>
+            <a:gsLst>
+              <a:gs pos="0">
+                <a:schemeClr val="accent1">
+                  <a:lumMod val="5000"/>
+                  <a:lumOff val="95000"/>
+                </a:schemeClr>
+              </a:gs>
+              <a:gs pos="74000">
+                <a:schemeClr val="accent1">
+                  <a:lumMod val="45000"/>
+                  <a:lumOff val="55000"/>
+                </a:schemeClr>
+              </a:gs>
+              <a:gs pos="83000">
+                <a:schemeClr val="accent1">
+                  <a:lumMod val="45000"/>
+                  <a:lumOff val="55000"/>
+                </a:schemeClr>
+              </a:gs>
+              <a:gs pos="100000">
+                <a:schemeClr val="accent1">
+                  <a:lumMod val="30000"/>
+                  <a:lumOff val="70000"/>
+                </a:schemeClr>
+              </a:gs>
+            </a:gsLst>
+            <a:lin ang="5400000" scaled="1"/>
+          </a:gradFill>
+        </p:spPr>
+        <p:style>
+          <a:lnRef idx="2">
+            <a:schemeClr val="accent1">
+              <a:shade val="50000"/>
+            </a:schemeClr>
+          </a:lnRef>
+          <a:fillRef idx="1">
+            <a:schemeClr val="accent1"/>
+          </a:fillRef>
+          <a:effectRef idx="0">
+            <a:schemeClr val="accent1"/>
+          </a:effectRef>
+          <a:fontRef idx="minor">
+            <a:schemeClr val="lt1"/>
+          </a:fontRef>
+        </p:style>
+        <p:txBody>
+          <a:bodyPr rtlCol="0" anchor="ctr"/>
+          <a:lstStyle/>
+          <a:p>
+            <a:pPr algn="ctr"/>
+            <a:endParaRPr lang="nl-NL"/>
+          </a:p>
+        </p:txBody>
+      </p:sp>
+      <p:pic>
+        <p:nvPicPr>
+          <p:cNvPr id="7" name="Picture 6"/>
+          <p:cNvPicPr>
+            <a:picLocks noChangeAspect="1"/>
+          </p:cNvPicPr>
+          <p:nvPr/>
+        </p:nvPicPr>
+        <p:blipFill>
+          <a:blip r:embed="rId2">
+            <a:extLst>
+              <a:ext uri="{28A0092B-C50C-407E-A947-70E740481C1C}">
+                <a14:useLocalDpi xmlns:a14="http://schemas.microsoft.com/office/drawing/2010/main" val="0"/>
+              </a:ext>
+            </a:extLst>
+          </a:blip>
+          <a:stretch>
+            <a:fillRect/>
+          </a:stretch>
+        </p:blipFill>
+        <p:spPr>
+          <a:xfrm>
+            <a:off x="284658" y="2821016"/>
+            <a:ext cx="2606184" cy="1744190"/>
+          </a:xfrm>
+          <a:prstGeom prst="rect">
+            <a:avLst/>
+          </a:prstGeom>
+          <a:ln w="19050">
+            <a:solidFill>
+              <a:schemeClr val="accent1">
+                <a:shade val="50000"/>
+              </a:schemeClr>
+            </a:solidFill>
+          </a:ln>
+        </p:spPr>
+      </p:pic>
+      <p:sp>
+        <p:nvSpPr>
+          <p:cNvPr id="8" name="Rectangle 7"/>
+          <p:cNvSpPr/>
+          <p:nvPr/>
+        </p:nvSpPr>
+        <p:spPr>
+          <a:xfrm>
+            <a:off x="4189119" y="2305455"/>
+            <a:ext cx="2042809" cy="2752928"/>
+          </a:xfrm>
+          <a:prstGeom prst="rect">
+            <a:avLst/>
+          </a:prstGeom>
+          <a:solidFill>
+            <a:schemeClr val="accent6">
+              <a:lumMod val="75000"/>
+            </a:schemeClr>
+          </a:solidFill>
+        </p:spPr>
+        <p:style>
+          <a:lnRef idx="2">
+            <a:schemeClr val="accent1">
+              <a:shade val="50000"/>
+            </a:schemeClr>
+          </a:lnRef>
+          <a:fillRef idx="1">
+            <a:schemeClr val="accent1"/>
+          </a:fillRef>
+          <a:effectRef idx="0">
+            <a:schemeClr val="accent1"/>
+          </a:effectRef>
+          <a:fontRef idx="minor">
+            <a:schemeClr val="lt1"/>
+          </a:fontRef>
+        </p:style>
+        <p:txBody>
+          <a:bodyPr rtlCol="0" anchor="ctr"/>
+          <a:lstStyle/>
+          <a:p>
+            <a:pPr algn="ctr"/>
+            <a:r>
+              <a:rPr lang="nl-NL" dirty="0" smtClean="0"/>
+              <a:t>:80	NGINX</a:t>
+            </a:r>
+            <a:endParaRPr lang="nl-NL" dirty="0"/>
+          </a:p>
+        </p:txBody>
+      </p:sp>
+      <p:cxnSp>
+        <p:nvCxnSpPr>
+          <p:cNvPr id="10" name="Straight Arrow Connector 9"/>
+          <p:cNvCxnSpPr>
+            <a:stCxn id="7" idx="3"/>
+            <a:endCxn id="8" idx="1"/>
+          </p:cNvCxnSpPr>
+          <p:nvPr/>
+        </p:nvCxnSpPr>
+        <p:spPr>
+          <a:xfrm flipV="1">
+            <a:off x="2890842" y="3681919"/>
+            <a:ext cx="1298277" cy="11192"/>
+          </a:xfrm>
+          <a:prstGeom prst="straightConnector1">
+            <a:avLst/>
+          </a:prstGeom>
+          <a:ln w="31750">
+            <a:solidFill>
+              <a:schemeClr val="tx1"/>
+            </a:solidFill>
+            <a:tailEnd type="triangle"/>
+          </a:ln>
+        </p:spPr>
+        <p:style>
+          <a:lnRef idx="1">
+            <a:schemeClr val="accent1"/>
+          </a:lnRef>
+          <a:fillRef idx="0">
+            <a:schemeClr val="accent1"/>
+          </a:fillRef>
+          <a:effectRef idx="0">
+            <a:schemeClr val="accent1"/>
+          </a:effectRef>
+          <a:fontRef idx="minor">
+            <a:schemeClr val="tx1"/>
+          </a:fontRef>
+        </p:style>
+      </p:cxnSp>
+      <p:sp>
+        <p:nvSpPr>
+          <p:cNvPr id="11" name="TextBox 10"/>
+          <p:cNvSpPr txBox="1"/>
+          <p:nvPr/>
+        </p:nvSpPr>
+        <p:spPr>
+          <a:xfrm>
+            <a:off x="3453173" y="3759826"/>
+            <a:ext cx="715260" cy="369332"/>
+          </a:xfrm>
+          <a:prstGeom prst="rect">
+            <a:avLst/>
+          </a:prstGeom>
+          <a:noFill/>
+        </p:spPr>
+        <p:txBody>
+          <a:bodyPr wrap="none" rtlCol="0">
+            <a:spAutoFit/>
+          </a:bodyPr>
+          <a:lstStyle/>
+          <a:p>
+            <a:r>
+              <a:rPr lang="nl-NL" dirty="0" smtClean="0"/>
+              <a:t>:4200</a:t>
+            </a:r>
+            <a:endParaRPr lang="nl-NL" dirty="0"/>
+          </a:p>
+        </p:txBody>
+      </p:sp>
+      <p:sp>
+        <p:nvSpPr>
+          <p:cNvPr id="13" name="Rectangle 12"/>
+          <p:cNvSpPr/>
+          <p:nvPr/>
+        </p:nvSpPr>
+        <p:spPr>
+          <a:xfrm>
+            <a:off x="8848669" y="481681"/>
+            <a:ext cx="2149812" cy="2752928"/>
+          </a:xfrm>
+          <a:prstGeom prst="rect">
+            <a:avLst/>
+          </a:prstGeom>
+          <a:solidFill>
+            <a:schemeClr val="accent6">
+              <a:lumMod val="75000"/>
+            </a:schemeClr>
+          </a:solidFill>
+        </p:spPr>
+        <p:style>
+          <a:lnRef idx="2">
+            <a:schemeClr val="accent1">
+              <a:shade val="50000"/>
+            </a:schemeClr>
+          </a:lnRef>
+          <a:fillRef idx="1">
+            <a:schemeClr val="accent1"/>
+          </a:fillRef>
+          <a:effectRef idx="0">
+            <a:schemeClr val="accent1"/>
+          </a:effectRef>
+          <a:fontRef idx="minor">
+            <a:schemeClr val="lt1"/>
+          </a:fontRef>
+        </p:style>
+        <p:txBody>
+          <a:bodyPr rtlCol="0" anchor="ctr"/>
+          <a:lstStyle/>
+          <a:p>
+            <a:pPr algn="ctr"/>
+            <a:r>
+              <a:rPr lang="nl-NL" dirty="0" smtClean="0"/>
+              <a:t>:4201	SERVERJS</a:t>
+            </a:r>
+            <a:endParaRPr lang="nl-NL" dirty="0"/>
+          </a:p>
+        </p:txBody>
+      </p:sp>
+      <p:cxnSp>
+        <p:nvCxnSpPr>
+          <p:cNvPr id="14" name="Straight Arrow Connector 13"/>
+          <p:cNvCxnSpPr>
+            <a:stCxn id="8" idx="3"/>
+            <a:endCxn id="13" idx="1"/>
+          </p:cNvCxnSpPr>
+          <p:nvPr/>
+        </p:nvCxnSpPr>
+        <p:spPr>
+          <a:xfrm flipV="1">
+            <a:off x="6231928" y="1858145"/>
+            <a:ext cx="2616741" cy="1823774"/>
+          </a:xfrm>
+          <a:prstGeom prst="straightConnector1">
+            <a:avLst/>
+          </a:prstGeom>
+          <a:ln w="31750">
+            <a:solidFill>
+              <a:schemeClr val="tx1"/>
+            </a:solidFill>
+            <a:tailEnd type="triangle"/>
+          </a:ln>
+        </p:spPr>
+        <p:style>
+          <a:lnRef idx="1">
+            <a:schemeClr val="accent1"/>
+          </a:lnRef>
+          <a:fillRef idx="0">
+            <a:schemeClr val="accent1"/>
+          </a:fillRef>
+          <a:effectRef idx="0">
+            <a:schemeClr val="accent1"/>
+          </a:effectRef>
+          <a:fontRef idx="minor">
+            <a:schemeClr val="tx1"/>
+          </a:fontRef>
+        </p:style>
+      </p:cxnSp>
+      <p:sp>
+        <p:nvSpPr>
+          <p:cNvPr id="20" name="TextBox 19"/>
+          <p:cNvSpPr txBox="1"/>
+          <p:nvPr/>
+        </p:nvSpPr>
+        <p:spPr>
+          <a:xfrm>
+            <a:off x="6951774" y="1468260"/>
+            <a:ext cx="1312795" cy="369332"/>
+          </a:xfrm>
+          <a:prstGeom prst="rect">
+            <a:avLst/>
+          </a:prstGeom>
+          <a:noFill/>
+        </p:spPr>
+        <p:txBody>
+          <a:bodyPr wrap="none" rtlCol="0">
+            <a:spAutoFit/>
+          </a:bodyPr>
+          <a:lstStyle/>
+          <a:p>
+            <a:r>
+              <a:rPr lang="nl-NL" dirty="0" smtClean="0"/>
+              <a:t>/</a:t>
+            </a:r>
+            <a:r>
+              <a:rPr lang="nl-NL" dirty="0" err="1" smtClean="0"/>
+              <a:t>api</a:t>
+            </a:r>
+            <a:r>
+              <a:rPr lang="nl-NL" dirty="0" smtClean="0"/>
+              <a:t>/</a:t>
+            </a:r>
+            <a:r>
+              <a:rPr lang="nl-NL" dirty="0" err="1" smtClean="0"/>
+              <a:t>movies</a:t>
+            </a:r>
+            <a:endParaRPr lang="nl-NL" dirty="0"/>
+          </a:p>
+        </p:txBody>
+      </p:sp>
+      <p:sp>
+        <p:nvSpPr>
+          <p:cNvPr id="21" name="TextBox 20"/>
+          <p:cNvSpPr txBox="1"/>
+          <p:nvPr/>
+        </p:nvSpPr>
+        <p:spPr>
+          <a:xfrm>
+            <a:off x="8180103" y="1512939"/>
+            <a:ext cx="715260" cy="369332"/>
+          </a:xfrm>
+          <a:prstGeom prst="rect">
+            <a:avLst/>
+          </a:prstGeom>
+          <a:noFill/>
+        </p:spPr>
+        <p:txBody>
+          <a:bodyPr wrap="none" rtlCol="0">
+            <a:spAutoFit/>
+          </a:bodyPr>
+          <a:lstStyle/>
+          <a:p>
+            <a:r>
+              <a:rPr lang="nl-NL" dirty="0" smtClean="0"/>
+              <a:t>:8090</a:t>
+            </a:r>
+            <a:endParaRPr lang="nl-NL" dirty="0"/>
+          </a:p>
+        </p:txBody>
+      </p:sp>
+      <p:sp>
+        <p:nvSpPr>
+          <p:cNvPr id="2" name="TextBox 1"/>
+          <p:cNvSpPr txBox="1"/>
+          <p:nvPr/>
+        </p:nvSpPr>
+        <p:spPr>
+          <a:xfrm>
+            <a:off x="5777575" y="1813405"/>
+            <a:ext cx="584968" cy="369332"/>
+          </a:xfrm>
+          <a:prstGeom prst="rect">
+            <a:avLst/>
+          </a:prstGeom>
+          <a:noFill/>
+        </p:spPr>
+        <p:txBody>
+          <a:bodyPr wrap="none" rtlCol="0">
+            <a:spAutoFit/>
+          </a:bodyPr>
+          <a:lstStyle/>
+          <a:p>
+            <a:r>
+              <a:rPr lang="nl-NL" dirty="0" smtClean="0"/>
+              <a:t>web</a:t>
+            </a:r>
+            <a:endParaRPr lang="nl-NL" dirty="0"/>
+          </a:p>
+        </p:txBody>
+      </p:sp>
+      <p:sp>
+        <p:nvSpPr>
+          <p:cNvPr id="15" name="TextBox 14"/>
+          <p:cNvSpPr txBox="1"/>
+          <p:nvPr/>
+        </p:nvSpPr>
+        <p:spPr>
+          <a:xfrm>
+            <a:off x="9688575" y="-10369"/>
+            <a:ext cx="470000" cy="369332"/>
+          </a:xfrm>
+          <a:prstGeom prst="rect">
+            <a:avLst/>
+          </a:prstGeom>
+          <a:noFill/>
+        </p:spPr>
+        <p:txBody>
+          <a:bodyPr wrap="none" rtlCol="0">
+            <a:spAutoFit/>
+          </a:bodyPr>
+          <a:lstStyle/>
+          <a:p>
+            <a:r>
+              <a:rPr lang="nl-NL" dirty="0" err="1" smtClean="0"/>
+              <a:t>api</a:t>
+            </a:r>
+            <a:endParaRPr lang="nl-NL" dirty="0"/>
+          </a:p>
+        </p:txBody>
+      </p:sp>
+      <p:sp>
+        <p:nvSpPr>
+          <p:cNvPr id="17" name="Rectangle 16"/>
+          <p:cNvSpPr/>
+          <p:nvPr/>
+        </p:nvSpPr>
+        <p:spPr>
+          <a:xfrm>
+            <a:off x="8821237" y="3869930"/>
+            <a:ext cx="2149812" cy="2752928"/>
+          </a:xfrm>
+          <a:prstGeom prst="rect">
+            <a:avLst/>
+          </a:prstGeom>
+        </p:spPr>
+        <p:style>
+          <a:lnRef idx="2">
+            <a:schemeClr val="accent1">
+              <a:shade val="50000"/>
+            </a:schemeClr>
+          </a:lnRef>
+          <a:fillRef idx="1">
+            <a:schemeClr val="accent1"/>
+          </a:fillRef>
+          <a:effectRef idx="0">
+            <a:schemeClr val="accent1"/>
+          </a:effectRef>
+          <a:fontRef idx="minor">
+            <a:schemeClr val="lt1"/>
+          </a:fontRef>
+        </p:style>
+        <p:txBody>
+          <a:bodyPr rtlCol="0" anchor="ctr"/>
+          <a:lstStyle/>
+          <a:p>
+            <a:pPr algn="ctr"/>
+            <a:r>
+              <a:rPr lang="nl-NL" dirty="0" smtClean="0"/>
+              <a:t>:4201	</a:t>
+            </a:r>
+            <a:r>
+              <a:rPr lang="nl-NL" dirty="0" err="1" smtClean="0"/>
+              <a:t>ASP.Net</a:t>
+            </a:r>
+            <a:r>
+              <a:rPr lang="nl-NL" dirty="0" smtClean="0"/>
+              <a:t> </a:t>
+            </a:r>
+            <a:r>
+              <a:rPr lang="nl-NL" dirty="0" err="1" smtClean="0"/>
+              <a:t>Core</a:t>
+            </a:r>
+            <a:r>
+              <a:rPr lang="nl-NL" dirty="0" smtClean="0"/>
+              <a:t> MVC</a:t>
+            </a:r>
+            <a:endParaRPr lang="nl-NL" dirty="0"/>
+          </a:p>
+        </p:txBody>
+      </p:sp>
+      <p:sp>
+        <p:nvSpPr>
+          <p:cNvPr id="18" name="TextBox 17"/>
+          <p:cNvSpPr txBox="1"/>
+          <p:nvPr/>
+        </p:nvSpPr>
+        <p:spPr>
+          <a:xfrm>
+            <a:off x="5537354" y="4380540"/>
+            <a:ext cx="715260" cy="369332"/>
+          </a:xfrm>
+          <a:prstGeom prst="rect">
+            <a:avLst/>
+          </a:prstGeom>
+          <a:noFill/>
+        </p:spPr>
+        <p:txBody>
+          <a:bodyPr wrap="none" rtlCol="0">
+            <a:spAutoFit/>
+          </a:bodyPr>
+          <a:lstStyle/>
+          <a:p>
+            <a:r>
+              <a:rPr lang="nl-NL" dirty="0" smtClean="0"/>
+              <a:t>:8200</a:t>
+            </a:r>
+            <a:endParaRPr lang="nl-NL" dirty="0"/>
+          </a:p>
+        </p:txBody>
+      </p:sp>
+      <p:sp>
+        <p:nvSpPr>
+          <p:cNvPr id="19" name="TextBox 18"/>
+          <p:cNvSpPr txBox="1"/>
+          <p:nvPr/>
+        </p:nvSpPr>
+        <p:spPr>
+          <a:xfrm>
+            <a:off x="8152671" y="5266948"/>
+            <a:ext cx="715260" cy="369332"/>
+          </a:xfrm>
+          <a:prstGeom prst="rect">
+            <a:avLst/>
+          </a:prstGeom>
+          <a:noFill/>
+        </p:spPr>
+        <p:txBody>
+          <a:bodyPr wrap="none" rtlCol="0">
+            <a:spAutoFit/>
+          </a:bodyPr>
+          <a:lstStyle/>
+          <a:p>
+            <a:r>
+              <a:rPr lang="nl-NL" dirty="0" smtClean="0"/>
+              <a:t>:5200</a:t>
+            </a:r>
+            <a:endParaRPr lang="nl-NL" dirty="0"/>
+          </a:p>
+        </p:txBody>
+      </p:sp>
+      <p:sp>
+        <p:nvSpPr>
+          <p:cNvPr id="22" name="TextBox 21"/>
+          <p:cNvSpPr txBox="1"/>
+          <p:nvPr/>
+        </p:nvSpPr>
+        <p:spPr>
+          <a:xfrm>
+            <a:off x="9661143" y="3377880"/>
+            <a:ext cx="564322" cy="369332"/>
+          </a:xfrm>
+          <a:prstGeom prst="rect">
+            <a:avLst/>
+          </a:prstGeom>
+          <a:noFill/>
+        </p:spPr>
+        <p:txBody>
+          <a:bodyPr wrap="none" rtlCol="0">
+            <a:spAutoFit/>
+          </a:bodyPr>
+          <a:lstStyle/>
+          <a:p>
+            <a:r>
+              <a:rPr lang="nl-NL" dirty="0" err="1" smtClean="0"/>
+              <a:t>mvc</a:t>
+            </a:r>
+            <a:endParaRPr lang="nl-NL" dirty="0"/>
+          </a:p>
+        </p:txBody>
+      </p:sp>
+      <p:cxnSp>
+        <p:nvCxnSpPr>
+          <p:cNvPr id="23" name="Straight Arrow Connector 22"/>
+          <p:cNvCxnSpPr>
+            <a:endCxn id="17" idx="1"/>
+          </p:cNvCxnSpPr>
+          <p:nvPr/>
+        </p:nvCxnSpPr>
+        <p:spPr>
+          <a:xfrm>
+            <a:off x="6245765" y="4398863"/>
+            <a:ext cx="2575472" cy="847531"/>
+          </a:xfrm>
+          <a:prstGeom prst="straightConnector1">
+            <a:avLst/>
+          </a:prstGeom>
+          <a:ln w="31750">
+            <a:solidFill>
+              <a:schemeClr val="tx1"/>
+            </a:solidFill>
+            <a:tailEnd type="triangle"/>
+          </a:ln>
+        </p:spPr>
+        <p:style>
+          <a:lnRef idx="1">
+            <a:schemeClr val="accent1"/>
+          </a:lnRef>
+          <a:fillRef idx="0">
+            <a:schemeClr val="accent1"/>
+          </a:fillRef>
+          <a:effectRef idx="0">
+            <a:schemeClr val="accent1"/>
+          </a:effectRef>
+          <a:fontRef idx="minor">
+            <a:schemeClr val="tx1"/>
+          </a:fontRef>
+        </p:style>
+      </p:cxnSp>
+    </p:spTree>
+    <p:extLst>
+      <p:ext uri="{BB962C8B-B14F-4D97-AF65-F5344CB8AC3E}">
+        <p14:creationId xmlns:p14="http://schemas.microsoft.com/office/powerpoint/2010/main" val="1445120166"/>
+      </p:ext>
+    </p:extLst>
+  </p:cSld>
+  <p:clrMapOvr>
+    <a:masterClrMapping/>
+  </p:clrMapOvr>
+</p:sld>
+</file>
+
 <file path=ppt/theme/theme1.xml><?xml version="1.0" encoding="utf-8"?>
 <a:theme xmlns:a="http://schemas.openxmlformats.org/drawingml/2006/main" name="Office Theme">
   <a:themeElements>
